--- a/project/presentation2.pptx
+++ b/project/presentation2.pptx
@@ -266,7 +266,7 @@
           <a:p>
             <a:fld id="{1AF2F6AF-6774-47BE-86A8-E9F60F06A4D0}" type="datetimeFigureOut">
               <a:rPr lang="ko-KR" altLang="en-US" smtClean="0"/>
-              <a:t>2019-10-29</a:t>
+              <a:t>2019-11-24</a:t>
             </a:fld>
             <a:endParaRPr lang="ko-KR" altLang="en-US"/>
           </a:p>
@@ -464,7 +464,7 @@
           <a:p>
             <a:fld id="{1AF2F6AF-6774-47BE-86A8-E9F60F06A4D0}" type="datetimeFigureOut">
               <a:rPr lang="ko-KR" altLang="en-US" smtClean="0"/>
-              <a:t>2019-10-29</a:t>
+              <a:t>2019-11-24</a:t>
             </a:fld>
             <a:endParaRPr lang="ko-KR" altLang="en-US"/>
           </a:p>
@@ -672,7 +672,7 @@
           <a:p>
             <a:fld id="{1AF2F6AF-6774-47BE-86A8-E9F60F06A4D0}" type="datetimeFigureOut">
               <a:rPr lang="ko-KR" altLang="en-US" smtClean="0"/>
-              <a:t>2019-10-29</a:t>
+              <a:t>2019-11-24</a:t>
             </a:fld>
             <a:endParaRPr lang="ko-KR" altLang="en-US"/>
           </a:p>
@@ -870,7 +870,7 @@
           <a:p>
             <a:fld id="{1AF2F6AF-6774-47BE-86A8-E9F60F06A4D0}" type="datetimeFigureOut">
               <a:rPr lang="ko-KR" altLang="en-US" smtClean="0"/>
-              <a:t>2019-10-29</a:t>
+              <a:t>2019-11-24</a:t>
             </a:fld>
             <a:endParaRPr lang="ko-KR" altLang="en-US"/>
           </a:p>
@@ -1145,7 +1145,7 @@
           <a:p>
             <a:fld id="{1AF2F6AF-6774-47BE-86A8-E9F60F06A4D0}" type="datetimeFigureOut">
               <a:rPr lang="ko-KR" altLang="en-US" smtClean="0"/>
-              <a:t>2019-10-29</a:t>
+              <a:t>2019-11-24</a:t>
             </a:fld>
             <a:endParaRPr lang="ko-KR" altLang="en-US"/>
           </a:p>
@@ -1410,7 +1410,7 @@
           <a:p>
             <a:fld id="{1AF2F6AF-6774-47BE-86A8-E9F60F06A4D0}" type="datetimeFigureOut">
               <a:rPr lang="ko-KR" altLang="en-US" smtClean="0"/>
-              <a:t>2019-10-29</a:t>
+              <a:t>2019-11-24</a:t>
             </a:fld>
             <a:endParaRPr lang="ko-KR" altLang="en-US"/>
           </a:p>
@@ -1822,7 +1822,7 @@
           <a:p>
             <a:fld id="{1AF2F6AF-6774-47BE-86A8-E9F60F06A4D0}" type="datetimeFigureOut">
               <a:rPr lang="ko-KR" altLang="en-US" smtClean="0"/>
-              <a:t>2019-10-29</a:t>
+              <a:t>2019-11-24</a:t>
             </a:fld>
             <a:endParaRPr lang="ko-KR" altLang="en-US"/>
           </a:p>
@@ -1963,7 +1963,7 @@
           <a:p>
             <a:fld id="{1AF2F6AF-6774-47BE-86A8-E9F60F06A4D0}" type="datetimeFigureOut">
               <a:rPr lang="ko-KR" altLang="en-US" smtClean="0"/>
-              <a:t>2019-10-29</a:t>
+              <a:t>2019-11-24</a:t>
             </a:fld>
             <a:endParaRPr lang="ko-KR" altLang="en-US"/>
           </a:p>
@@ -2076,7 +2076,7 @@
           <a:p>
             <a:fld id="{1AF2F6AF-6774-47BE-86A8-E9F60F06A4D0}" type="datetimeFigureOut">
               <a:rPr lang="ko-KR" altLang="en-US" smtClean="0"/>
-              <a:t>2019-10-29</a:t>
+              <a:t>2019-11-24</a:t>
             </a:fld>
             <a:endParaRPr lang="ko-KR" altLang="en-US"/>
           </a:p>
@@ -2387,7 +2387,7 @@
           <a:p>
             <a:fld id="{1AF2F6AF-6774-47BE-86A8-E9F60F06A4D0}" type="datetimeFigureOut">
               <a:rPr lang="ko-KR" altLang="en-US" smtClean="0"/>
-              <a:t>2019-10-29</a:t>
+              <a:t>2019-11-24</a:t>
             </a:fld>
             <a:endParaRPr lang="ko-KR" altLang="en-US"/>
           </a:p>
@@ -2675,7 +2675,7 @@
           <a:p>
             <a:fld id="{1AF2F6AF-6774-47BE-86A8-E9F60F06A4D0}" type="datetimeFigureOut">
               <a:rPr lang="ko-KR" altLang="en-US" smtClean="0"/>
-              <a:t>2019-10-29</a:t>
+              <a:t>2019-11-24</a:t>
             </a:fld>
             <a:endParaRPr lang="ko-KR" altLang="en-US"/>
           </a:p>
@@ -2916,7 +2916,7 @@
           <a:p>
             <a:fld id="{1AF2F6AF-6774-47BE-86A8-E9F60F06A4D0}" type="datetimeFigureOut">
               <a:rPr lang="ko-KR" altLang="en-US" smtClean="0"/>
-              <a:t>2019-10-29</a:t>
+              <a:t>2019-11-24</a:t>
             </a:fld>
             <a:endParaRPr lang="ko-KR" altLang="en-US"/>
           </a:p>
@@ -5015,19 +5015,11 @@
                       <a:pPr latinLnBrk="1"/>
                       <a:r>
                         <a:rPr lang="en-US" altLang="ko-KR" dirty="0" smtClean="0"/>
-                        <a:t>(70</a:t>
-                      </a:r>
-                      <a:r>
-                        <a:rPr lang="en-US" altLang="ko-KR" dirty="0" smtClean="0"/>
-                        <a:t>%) </a:t>
+                        <a:t>(70%) </a:t>
                       </a:r>
                       <a:r>
                         <a:rPr lang="ko-KR" altLang="en-US" dirty="0" smtClean="0"/>
-                        <a:t>캐릭터가 죽을 때 발생하는 이벤트 </a:t>
-                      </a:r>
-                      <a:r>
-                        <a:rPr lang="ko-KR" altLang="en-US" dirty="0" smtClean="0"/>
-                        <a:t>구현할 것</a:t>
+                        <a:t>캐릭터가 죽을 때 발생하는 이벤트 구현할 것</a:t>
                       </a:r>
                       <a:endParaRPr lang="ko-KR" altLang="en-US" dirty="0"/>
                     </a:p>
